--- a/EMS PPT.pptx
+++ b/EMS PPT.pptx
@@ -142,18 +142,18 @@
   <pc:docChgLst>
     <pc:chgData name="Dell Laptop" userId="3cd9aef6f2a502c0" providerId="LiveId" clId="{462274F9-43AA-4115-A69A-09D122FE09CB}"/>
     <pc:docChg chg="undo custSel addSld delSld modSld sldOrd">
-      <pc:chgData name="Dell Laptop" userId="3cd9aef6f2a502c0" providerId="LiveId" clId="{462274F9-43AA-4115-A69A-09D122FE09CB}" dt="2022-04-11T05:03:54.591" v="1642" actId="14100"/>
+      <pc:chgData name="Dell Laptop" userId="3cd9aef6f2a502c0" providerId="LiveId" clId="{462274F9-43AA-4115-A69A-09D122FE09CB}" dt="2022-04-12T14:18:26.934" v="1654" actId="20577"/>
       <pc:docMkLst>
         <pc:docMk/>
       </pc:docMkLst>
       <pc:sldChg chg="modSp mod modTransition">
-        <pc:chgData name="Dell Laptop" userId="3cd9aef6f2a502c0" providerId="LiveId" clId="{462274F9-43AA-4115-A69A-09D122FE09CB}" dt="2022-04-11T05:03:54.591" v="1642" actId="14100"/>
+        <pc:chgData name="Dell Laptop" userId="3cd9aef6f2a502c0" providerId="LiveId" clId="{462274F9-43AA-4115-A69A-09D122FE09CB}" dt="2022-04-12T14:18:26.934" v="1654" actId="20577"/>
         <pc:sldMkLst>
           <pc:docMk/>
           <pc:sldMk cId="2584280759" sldId="257"/>
         </pc:sldMkLst>
         <pc:spChg chg="mod">
-          <ac:chgData name="Dell Laptop" userId="3cd9aef6f2a502c0" providerId="LiveId" clId="{462274F9-43AA-4115-A69A-09D122FE09CB}" dt="2022-04-11T05:03:51.786" v="1641" actId="14100"/>
+          <ac:chgData name="Dell Laptop" userId="3cd9aef6f2a502c0" providerId="LiveId" clId="{462274F9-43AA-4115-A69A-09D122FE09CB}" dt="2022-04-12T14:18:26.934" v="1654" actId="20577"/>
           <ac:spMkLst>
             <pc:docMk/>
             <pc:sldMk cId="2584280759" sldId="257"/>
@@ -14647,7 +14647,7 @@
           <a:p>
             <a:fld id="{EA0C0817-A112-4847-8014-A94B7D2A4EA3}" type="datetime1">
               <a:rPr lang="en-US" smtClean="0"/>
-              <a:t>4/11/2022</a:t>
+              <a:t>4/12/2022</a:t>
             </a:fld>
             <a:endParaRPr lang="en-US" dirty="0"/>
           </a:p>
@@ -14849,7 +14849,7 @@
           <a:p>
             <a:fld id="{7332B432-ACDA-4023-A761-2BAB76577B62}" type="datetime1">
               <a:rPr lang="en-US" smtClean="0"/>
-              <a:t>4/11/2022</a:t>
+              <a:t>4/12/2022</a:t>
             </a:fld>
             <a:endParaRPr lang="en-US" dirty="0"/>
           </a:p>
@@ -15448,7 +15448,7 @@
           <a:p>
             <a:fld id="{D9C646AA-F36E-4540-911D-FFFC0A0EF24A}" type="datetime1">
               <a:rPr lang="en-US" smtClean="0"/>
-              <a:t>4/11/2022</a:t>
+              <a:t>4/12/2022</a:t>
             </a:fld>
             <a:endParaRPr lang="en-US" dirty="0"/>
           </a:p>
@@ -15768,7 +15768,7 @@
           <a:p>
             <a:fld id="{69186D26-FA5F-4637-B602-B7C2DC34CFD4}" type="datetime1">
               <a:rPr lang="en-US" smtClean="0"/>
-              <a:t>4/11/2022</a:t>
+              <a:t>4/12/2022</a:t>
             </a:fld>
             <a:endParaRPr lang="en-US" dirty="0"/>
           </a:p>
@@ -16205,7 +16205,7 @@
           <a:p>
             <a:fld id="{8A7F15D8-96D1-4781-BC50-CA8A088B2FE4}" type="datetime1">
               <a:rPr lang="en-US" smtClean="0"/>
-              <a:t>4/11/2022</a:t>
+              <a:t>4/12/2022</a:t>
             </a:fld>
             <a:endParaRPr lang="en-US" dirty="0"/>
           </a:p>
@@ -16323,7 +16323,7 @@
           <a:p>
             <a:fld id="{F9A96C99-B8F8-4528-BD05-0E16E943DC09}" type="datetime1">
               <a:rPr lang="en-US" smtClean="0"/>
-              <a:t>4/11/2022</a:t>
+              <a:t>4/12/2022</a:t>
             </a:fld>
             <a:endParaRPr lang="en-US" dirty="0"/>
           </a:p>
@@ -16418,7 +16418,7 @@
           <a:p>
             <a:fld id="{03636942-C211-4B28-8DBD-C953E00AF71B}" type="datetime1">
               <a:rPr lang="en-US" smtClean="0"/>
-              <a:t>4/11/2022</a:t>
+              <a:t>4/12/2022</a:t>
             </a:fld>
             <a:endParaRPr lang="en-US" dirty="0"/>
           </a:p>
@@ -16835,7 +16835,7 @@
           <a:p>
             <a:fld id="{7E8D12A6-918A-48BD-8CB9-CA713993B0EA}" type="datetime1">
               <a:rPr lang="en-US" smtClean="0"/>
-              <a:t>4/11/2022</a:t>
+              <a:t>4/12/2022</a:t>
             </a:fld>
             <a:endParaRPr lang="en-US" dirty="0"/>
           </a:p>
@@ -17097,7 +17097,7 @@
             <a:fld id="{E778CE86-875F-4587-BCF6-FA054AFC0D53}" type="datetime1">
               <a:rPr lang="en-US" smtClean="0"/>
               <a:pPr/>
-              <a:t>4/11/2022</a:t>
+              <a:t>4/12/2022</a:t>
             </a:fld>
             <a:endParaRPr lang="en-US" dirty="0"/>
           </a:p>
@@ -17613,7 +17613,7 @@
           <a:p>
             <a:fld id="{F6FA2B21-3FCD-4721-B95C-427943F61125}" type="datetime1">
               <a:rPr lang="en-US" smtClean="0"/>
-              <a:t>4/11/2022</a:t>
+              <a:t>4/12/2022</a:t>
             </a:fld>
             <a:endParaRPr lang="en-US" dirty="0"/>
           </a:p>
@@ -18249,7 +18249,7 @@
             </a:br>
             <a:r>
               <a:rPr lang="en-US" sz="2800" dirty="0"/>
-              <a:t>PROJECT IN SPRING BOOT with Hibernate</a:t>
+              <a:t>PROJECT IN SPRING BOOT with Hibernate and ANGULAR</a:t>
             </a:r>
             <a:endParaRPr lang="en-US" sz="2800" dirty="0">
               <a:solidFill>
@@ -21983,21 +21983,21 @@
 </file>
 
 <file path=customXml/item1.xml><?xml version="1.0" encoding="utf-8"?>
+<p:properties xmlns:p="http://schemas.microsoft.com/office/2006/metadata/properties" xmlns:xsi="http://www.w3.org/2001/XMLSchema-instance" xmlns:pc="http://schemas.microsoft.com/office/infopath/2007/PartnerControls">
+  <documentManagement>
+    <Status xmlns="71af3243-3dd4-4a8d-8c0d-dd76da1f02a5">Not started</Status>
+    <MediaServiceKeyPoints xmlns="71af3243-3dd4-4a8d-8c0d-dd76da1f02a5" xsi:nil="true"/>
+  </documentManagement>
+</p:properties>
+</file>
+
+<file path=customXml/item2.xml><?xml version="1.0" encoding="utf-8"?>
 <?mso-contentType ?>
 <FormTemplates xmlns="http://schemas.microsoft.com/sharepoint/v3/contenttype/forms">
   <Display>DocumentLibraryForm</Display>
   <Edit>DocumentLibraryForm</Edit>
   <New>DocumentLibraryForm</New>
 </FormTemplates>
-</file>
-
-<file path=customXml/item2.xml><?xml version="1.0" encoding="utf-8"?>
-<p:properties xmlns:p="http://schemas.microsoft.com/office/2006/metadata/properties" xmlns:xsi="http://www.w3.org/2001/XMLSchema-instance" xmlns:pc="http://schemas.microsoft.com/office/infopath/2007/PartnerControls">
-  <documentManagement>
-    <Status xmlns="71af3243-3dd4-4a8d-8c0d-dd76da1f02a5">Not started</Status>
-    <MediaServiceKeyPoints xmlns="71af3243-3dd4-4a8d-8c0d-dd76da1f02a5" xsi:nil="true"/>
-  </documentManagement>
-</p:properties>
 </file>
 
 <file path=customXml/item3.xml><?xml version="1.0" encoding="utf-8"?>
@@ -22222,19 +22222,19 @@
 </file>
 
 <file path=customXml/itemProps1.xml><?xml version="1.0" encoding="utf-8"?>
-<ds:datastoreItem xmlns:ds="http://schemas.openxmlformats.org/officeDocument/2006/customXml" ds:itemID="{CDB58277-F8DF-46FF-84EC-EF41B835E69F}">
+<ds:datastoreItem xmlns:ds="http://schemas.openxmlformats.org/officeDocument/2006/customXml" ds:itemID="{137651BA-F45C-4845-9AB3-E0A65B39F5E1}">
   <ds:schemaRefs>
-    <ds:schemaRef ds:uri="http://schemas.microsoft.com/sharepoint/v3/contenttype/forms"/>
+    <ds:schemaRef ds:uri="http://schemas.microsoft.com/office/2006/metadata/properties"/>
+    <ds:schemaRef ds:uri="http://schemas.microsoft.com/office/infopath/2007/PartnerControls"/>
+    <ds:schemaRef ds:uri="71af3243-3dd4-4a8d-8c0d-dd76da1f02a5"/>
   </ds:schemaRefs>
 </ds:datastoreItem>
 </file>
 
 <file path=customXml/itemProps2.xml><?xml version="1.0" encoding="utf-8"?>
-<ds:datastoreItem xmlns:ds="http://schemas.openxmlformats.org/officeDocument/2006/customXml" ds:itemID="{137651BA-F45C-4845-9AB3-E0A65B39F5E1}">
+<ds:datastoreItem xmlns:ds="http://schemas.openxmlformats.org/officeDocument/2006/customXml" ds:itemID="{CDB58277-F8DF-46FF-84EC-EF41B835E69F}">
   <ds:schemaRefs>
-    <ds:schemaRef ds:uri="http://schemas.microsoft.com/office/2006/metadata/properties"/>
-    <ds:schemaRef ds:uri="http://schemas.microsoft.com/office/infopath/2007/PartnerControls"/>
-    <ds:schemaRef ds:uri="71af3243-3dd4-4a8d-8c0d-dd76da1f02a5"/>
+    <ds:schemaRef ds:uri="http://schemas.microsoft.com/sharepoint/v3/contenttype/forms"/>
   </ds:schemaRefs>
 </ds:datastoreItem>
 </file>

--- a/EMS PPT.pptx
+++ b/EMS PPT.pptx
@@ -13,16 +13,15 @@
     <p:sldId id="286" r:id="rId10"/>
     <p:sldId id="297" r:id="rId11"/>
     <p:sldId id="307" r:id="rId12"/>
-    <p:sldId id="315" r:id="rId13"/>
-    <p:sldId id="316" r:id="rId14"/>
-    <p:sldId id="317" r:id="rId15"/>
-    <p:sldId id="319" r:id="rId16"/>
+    <p:sldId id="321" r:id="rId13"/>
+    <p:sldId id="315" r:id="rId14"/>
+    <p:sldId id="316" r:id="rId15"/>
+    <p:sldId id="317" r:id="rId16"/>
     <p:sldId id="318" r:id="rId17"/>
-    <p:sldId id="320" r:id="rId18"/>
-    <p:sldId id="313" r:id="rId19"/>
-    <p:sldId id="261" r:id="rId20"/>
-    <p:sldId id="258" r:id="rId21"/>
-    <p:sldId id="306" r:id="rId22"/>
+    <p:sldId id="313" r:id="rId18"/>
+    <p:sldId id="261" r:id="rId19"/>
+    <p:sldId id="258" r:id="rId20"/>
+    <p:sldId id="306" r:id="rId21"/>
   </p:sldIdLst>
   <p:sldSz cx="12192000" cy="6858000"/>
   <p:notesSz cx="6858000" cy="9144000"/>
@@ -132,7 +131,7 @@
 <file path=ppt/revisionInfo.xml><?xml version="1.0" encoding="utf-8"?>
 <p1510:revInfo xmlns:a="http://schemas.openxmlformats.org/drawingml/2006/main" xmlns:r="http://schemas.openxmlformats.org/officeDocument/2006/relationships" xmlns:p1510="http://schemas.microsoft.com/office/powerpoint/2015/10/main">
   <p1510:revLst>
-    <p1510:client id="{462274F9-43AA-4115-A69A-09D122FE09CB}" v="237" dt="2022-04-11T04:10:39.469"/>
+    <p1510:client id="{462274F9-43AA-4115-A69A-09D122FE09CB}" v="241" dt="2022-04-14T13:12:18.689"/>
   </p1510:revLst>
 </p1510:revInfo>
 </file>
@@ -142,7 +141,7 @@
   <pc:docChgLst>
     <pc:chgData name="Dell Laptop" userId="3cd9aef6f2a502c0" providerId="LiveId" clId="{462274F9-43AA-4115-A69A-09D122FE09CB}"/>
     <pc:docChg chg="undo custSel addSld delSld modSld sldOrd">
-      <pc:chgData name="Dell Laptop" userId="3cd9aef6f2a502c0" providerId="LiveId" clId="{462274F9-43AA-4115-A69A-09D122FE09CB}" dt="2022-04-12T14:18:26.934" v="1654" actId="20577"/>
+      <pc:chgData name="Dell Laptop" userId="3cd9aef6f2a502c0" providerId="LiveId" clId="{462274F9-43AA-4115-A69A-09D122FE09CB}" dt="2022-04-14T13:12:34.481" v="1730" actId="2696"/>
       <pc:docMkLst>
         <pc:docMk/>
       </pc:docMkLst>
@@ -440,12 +439,20 @@
           </ac:graphicFrameMkLst>
         </pc:graphicFrameChg>
       </pc:sldChg>
-      <pc:sldChg chg="modSp add">
-        <pc:chgData name="Dell Laptop" userId="3cd9aef6f2a502c0" providerId="LiveId" clId="{462274F9-43AA-4115-A69A-09D122FE09CB}" dt="2022-04-10T17:49:50.594" v="1338" actId="20577"/>
+      <pc:sldChg chg="modSp add mod">
+        <pc:chgData name="Dell Laptop" userId="3cd9aef6f2a502c0" providerId="LiveId" clId="{462274F9-43AA-4115-A69A-09D122FE09CB}" dt="2022-04-14T13:08:54.244" v="1687" actId="20577"/>
         <pc:sldMkLst>
           <pc:docMk/>
           <pc:sldMk cId="347841" sldId="297"/>
         </pc:sldMkLst>
+        <pc:spChg chg="mod">
+          <ac:chgData name="Dell Laptop" userId="3cd9aef6f2a502c0" providerId="LiveId" clId="{462274F9-43AA-4115-A69A-09D122FE09CB}" dt="2022-04-14T13:08:54.244" v="1687" actId="20577"/>
+          <ac:spMkLst>
+            <pc:docMk/>
+            <pc:sldMk cId="347841" sldId="297"/>
+            <ac:spMk id="2" creationId="{509EA2A7-B08E-4612-B40B-50EA8D4E5B8C}"/>
+          </ac:spMkLst>
+        </pc:spChg>
         <pc:graphicFrameChg chg="mod">
           <ac:chgData name="Dell Laptop" userId="3cd9aef6f2a502c0" providerId="LiveId" clId="{462274F9-43AA-4115-A69A-09D122FE09CB}" dt="2022-04-10T17:49:50.594" v="1338" actId="20577"/>
           <ac:graphicFrameMkLst>
@@ -596,13 +603,13 @@
         </pc:graphicFrameChg>
       </pc:sldChg>
       <pc:sldChg chg="addSp delSp modSp new mod modTransition">
-        <pc:chgData name="Dell Laptop" userId="3cd9aef6f2a502c0" providerId="LiveId" clId="{462274F9-43AA-4115-A69A-09D122FE09CB}" dt="2022-04-10T18:23:12.932" v="1570"/>
+        <pc:chgData name="Dell Laptop" userId="3cd9aef6f2a502c0" providerId="LiveId" clId="{462274F9-43AA-4115-A69A-09D122FE09CB}" dt="2022-04-14T13:10:24.560" v="1718" actId="14100"/>
         <pc:sldMkLst>
           <pc:docMk/>
           <pc:sldMk cId="209857147" sldId="307"/>
         </pc:sldMkLst>
         <pc:spChg chg="mod">
-          <ac:chgData name="Dell Laptop" userId="3cd9aef6f2a502c0" providerId="LiveId" clId="{462274F9-43AA-4115-A69A-09D122FE09CB}" dt="2022-04-10T17:53:32.085" v="1392" actId="27636"/>
+          <ac:chgData name="Dell Laptop" userId="3cd9aef6f2a502c0" providerId="LiveId" clId="{462274F9-43AA-4115-A69A-09D122FE09CB}" dt="2022-04-14T13:09:18.743" v="1710" actId="20577"/>
           <ac:spMkLst>
             <pc:docMk/>
             <pc:sldMk cId="209857147" sldId="307"/>
@@ -617,12 +624,28 @@
             <ac:spMk id="3" creationId="{9CACF2D9-D756-4A5F-BAF0-3D9FDCA5F5C0}"/>
           </ac:spMkLst>
         </pc:spChg>
-        <pc:picChg chg="add mod">
-          <ac:chgData name="Dell Laptop" userId="3cd9aef6f2a502c0" providerId="LiveId" clId="{462274F9-43AA-4115-A69A-09D122FE09CB}" dt="2022-04-10T18:13:50.927" v="1510" actId="931"/>
+        <pc:spChg chg="add del mod">
+          <ac:chgData name="Dell Laptop" userId="3cd9aef6f2a502c0" providerId="LiveId" clId="{462274F9-43AA-4115-A69A-09D122FE09CB}" dt="2022-04-14T13:10:11.279" v="1712"/>
+          <ac:spMkLst>
+            <pc:docMk/>
+            <pc:sldMk cId="209857147" sldId="307"/>
+            <ac:spMk id="4" creationId="{73727645-04F8-4E35-A83B-7DB57E265132}"/>
+          </ac:spMkLst>
+        </pc:spChg>
+        <pc:picChg chg="add del mod">
+          <ac:chgData name="Dell Laptop" userId="3cd9aef6f2a502c0" providerId="LiveId" clId="{462274F9-43AA-4115-A69A-09D122FE09CB}" dt="2022-04-14T13:09:20.607" v="1711" actId="478"/>
           <ac:picMkLst>
             <pc:docMk/>
             <pc:sldMk cId="209857147" sldId="307"/>
             <ac:picMk id="5" creationId="{6DC51155-DF12-4434-852D-C10DE4F8ECE4}"/>
+          </ac:picMkLst>
+        </pc:picChg>
+        <pc:picChg chg="add mod">
+          <ac:chgData name="Dell Laptop" userId="3cd9aef6f2a502c0" providerId="LiveId" clId="{462274F9-43AA-4115-A69A-09D122FE09CB}" dt="2022-04-14T13:10:24.560" v="1718" actId="14100"/>
+          <ac:picMkLst>
+            <pc:docMk/>
+            <pc:sldMk cId="209857147" sldId="307"/>
+            <ac:picMk id="7" creationId="{CBC05DD5-1CCD-46B2-9C0E-4E5424273201}"/>
           </ac:picMkLst>
         </pc:picChg>
       </pc:sldChg>
@@ -678,6 +701,13 @@
         <pc:sldMkLst>
           <pc:docMk/>
           <pc:sldMk cId="2125106292" sldId="308"/>
+        </pc:sldMkLst>
+      </pc:sldChg>
+      <pc:sldChg chg="del delDesignElem">
+        <pc:chgData name="Dell Laptop" userId="3cd9aef6f2a502c0" providerId="LiveId" clId="{462274F9-43AA-4115-A69A-09D122FE09CB}" dt="2022-04-14T13:08:08.860" v="1656" actId="2696"/>
+        <pc:sldMkLst>
+          <pc:docMk/>
+          <pc:sldMk cId="3384462768" sldId="308"/>
         </pc:sldMkLst>
       </pc:sldChg>
       <pc:sldChg chg="new del">
@@ -833,7 +863,7 @@
         </pc:picChg>
       </pc:sldChg>
       <pc:sldChg chg="addSp delSp modSp add mod modTransition">
-        <pc:chgData name="Dell Laptop" userId="3cd9aef6f2a502c0" providerId="LiveId" clId="{462274F9-43AA-4115-A69A-09D122FE09CB}" dt="2022-04-10T18:23:52.276" v="1574"/>
+        <pc:chgData name="Dell Laptop" userId="3cd9aef6f2a502c0" providerId="LiveId" clId="{462274F9-43AA-4115-A69A-09D122FE09CB}" dt="2022-04-14T13:11:51.996" v="1723" actId="14100"/>
         <pc:sldMkLst>
           <pc:docMk/>
           <pc:sldMk cId="300358996" sldId="317"/>
@@ -855,7 +885,15 @@
           </ac:spMkLst>
         </pc:spChg>
         <pc:picChg chg="add mod">
-          <ac:chgData name="Dell Laptop" userId="3cd9aef6f2a502c0" providerId="LiveId" clId="{462274F9-43AA-4115-A69A-09D122FE09CB}" dt="2022-04-10T18:16:09.583" v="1520" actId="931"/>
+          <ac:chgData name="Dell Laptop" userId="3cd9aef6f2a502c0" providerId="LiveId" clId="{462274F9-43AA-4115-A69A-09D122FE09CB}" dt="2022-04-14T13:11:51.996" v="1723" actId="14100"/>
+          <ac:picMkLst>
+            <pc:docMk/>
+            <pc:sldMk cId="300358996" sldId="317"/>
+            <ac:picMk id="4" creationId="{0488138F-EC00-4750-8799-C9AF86589822}"/>
+          </ac:picMkLst>
+        </pc:picChg>
+        <pc:picChg chg="add mod">
+          <ac:chgData name="Dell Laptop" userId="3cd9aef6f2a502c0" providerId="LiveId" clId="{462274F9-43AA-4115-A69A-09D122FE09CB}" dt="2022-04-14T13:11:34.776" v="1719" actId="14100"/>
           <ac:picMkLst>
             <pc:docMk/>
             <pc:sldMk cId="300358996" sldId="317"/>
@@ -864,7 +902,7 @@
         </pc:picChg>
       </pc:sldChg>
       <pc:sldChg chg="addSp delSp modSp add mod modTransition">
-        <pc:chgData name="Dell Laptop" userId="3cd9aef6f2a502c0" providerId="LiveId" clId="{462274F9-43AA-4115-A69A-09D122FE09CB}" dt="2022-04-10T18:24:33.133" v="1578"/>
+        <pc:chgData name="Dell Laptop" userId="3cd9aef6f2a502c0" providerId="LiveId" clId="{462274F9-43AA-4115-A69A-09D122FE09CB}" dt="2022-04-14T13:12:29.376" v="1729" actId="14100"/>
         <pc:sldMkLst>
           <pc:docMk/>
           <pc:sldMk cId="2754694079" sldId="318"/>
@@ -886,7 +924,15 @@
           </ac:spMkLst>
         </pc:spChg>
         <pc:picChg chg="add mod">
-          <ac:chgData name="Dell Laptop" userId="3cd9aef6f2a502c0" providerId="LiveId" clId="{462274F9-43AA-4115-A69A-09D122FE09CB}" dt="2022-04-10T18:17:29.128" v="1530" actId="931"/>
+          <ac:chgData name="Dell Laptop" userId="3cd9aef6f2a502c0" providerId="LiveId" clId="{462274F9-43AA-4115-A69A-09D122FE09CB}" dt="2022-04-14T13:12:29.376" v="1729" actId="14100"/>
+          <ac:picMkLst>
+            <pc:docMk/>
+            <pc:sldMk cId="2754694079" sldId="318"/>
+            <ac:picMk id="4" creationId="{27319E67-B49A-451E-9B8F-499675CF4E8B}"/>
+          </ac:picMkLst>
+        </pc:picChg>
+        <pc:picChg chg="add mod">
+          <ac:chgData name="Dell Laptop" userId="3cd9aef6f2a502c0" providerId="LiveId" clId="{462274F9-43AA-4115-A69A-09D122FE09CB}" dt="2022-04-14T13:12:10.706" v="1725" actId="14100"/>
           <ac:picMkLst>
             <pc:docMk/>
             <pc:sldMk cId="2754694079" sldId="318"/>
@@ -894,8 +940,8 @@
           </ac:picMkLst>
         </pc:picChg>
       </pc:sldChg>
-      <pc:sldChg chg="addSp delSp modSp add mod modTransition">
-        <pc:chgData name="Dell Laptop" userId="3cd9aef6f2a502c0" providerId="LiveId" clId="{462274F9-43AA-4115-A69A-09D122FE09CB}" dt="2022-04-10T18:29:06.725" v="1607"/>
+      <pc:sldChg chg="addSp delSp modSp add del mod modTransition">
+        <pc:chgData name="Dell Laptop" userId="3cd9aef6f2a502c0" providerId="LiveId" clId="{462274F9-43AA-4115-A69A-09D122FE09CB}" dt="2022-04-14T13:12:00.487" v="1724" actId="2696"/>
         <pc:sldMkLst>
           <pc:docMk/>
           <pc:sldMk cId="1173754318" sldId="319"/>
@@ -908,6 +954,14 @@
             <ac:spMk id="4" creationId="{50E16438-D159-4259-AAF1-FDDFF3B7087E}"/>
           </ac:spMkLst>
         </pc:spChg>
+        <pc:spChg chg="add mod">
+          <ac:chgData name="Dell Laptop" userId="3cd9aef6f2a502c0" providerId="LiveId" clId="{462274F9-43AA-4115-A69A-09D122FE09CB}" dt="2022-04-14T13:11:41.939" v="1720" actId="21"/>
+          <ac:spMkLst>
+            <pc:docMk/>
+            <pc:sldMk cId="1173754318" sldId="319"/>
+            <ac:spMk id="4" creationId="{6B57853E-02AE-41C0-AC8D-39DC4AD9CAAB}"/>
+          </ac:spMkLst>
+        </pc:spChg>
         <pc:picChg chg="del">
           <ac:chgData name="Dell Laptop" userId="3cd9aef6f2a502c0" providerId="LiveId" clId="{462274F9-43AA-4115-A69A-09D122FE09CB}" dt="2022-04-10T18:16:27.269" v="1522" actId="478"/>
           <ac:picMkLst>
@@ -916,8 +970,8 @@
             <ac:picMk id="5" creationId="{4A7D2377-2927-4E44-B321-039A890F9557}"/>
           </ac:picMkLst>
         </pc:picChg>
-        <pc:picChg chg="add mod">
-          <ac:chgData name="Dell Laptop" userId="3cd9aef6f2a502c0" providerId="LiveId" clId="{462274F9-43AA-4115-A69A-09D122FE09CB}" dt="2022-04-10T18:17:13.009" v="1529" actId="931"/>
+        <pc:picChg chg="add del mod">
+          <ac:chgData name="Dell Laptop" userId="3cd9aef6f2a502c0" providerId="LiveId" clId="{462274F9-43AA-4115-A69A-09D122FE09CB}" dt="2022-04-14T13:11:41.939" v="1720" actId="21"/>
           <ac:picMkLst>
             <pc:docMk/>
             <pc:sldMk cId="1173754318" sldId="319"/>
@@ -925,12 +979,20 @@
           </ac:picMkLst>
         </pc:picChg>
       </pc:sldChg>
-      <pc:sldChg chg="addSp delSp modSp add mod modTransition">
-        <pc:chgData name="Dell Laptop" userId="3cd9aef6f2a502c0" providerId="LiveId" clId="{462274F9-43AA-4115-A69A-09D122FE09CB}" dt="2022-04-10T18:29:14.910" v="1608"/>
+      <pc:sldChg chg="addSp delSp modSp add del mod modTransition">
+        <pc:chgData name="Dell Laptop" userId="3cd9aef6f2a502c0" providerId="LiveId" clId="{462274F9-43AA-4115-A69A-09D122FE09CB}" dt="2022-04-14T13:12:34.481" v="1730" actId="2696"/>
         <pc:sldMkLst>
           <pc:docMk/>
           <pc:sldMk cId="4000819507" sldId="320"/>
         </pc:sldMkLst>
+        <pc:spChg chg="add mod">
+          <ac:chgData name="Dell Laptop" userId="3cd9aef6f2a502c0" providerId="LiveId" clId="{462274F9-43AA-4115-A69A-09D122FE09CB}" dt="2022-04-14T13:12:15.133" v="1726" actId="21"/>
+          <ac:spMkLst>
+            <pc:docMk/>
+            <pc:sldMk cId="4000819507" sldId="320"/>
+            <ac:spMk id="4" creationId="{DDE1B8FC-4E28-44DF-8649-F026ED4879D6}"/>
+          </ac:spMkLst>
+        </pc:spChg>
         <pc:spChg chg="add del mod">
           <ac:chgData name="Dell Laptop" userId="3cd9aef6f2a502c0" providerId="LiveId" clId="{462274F9-43AA-4115-A69A-09D122FE09CB}" dt="2022-04-10T18:18:48.537" v="1540" actId="931"/>
           <ac:spMkLst>
@@ -947,14 +1009,21 @@
             <ac:picMk id="5" creationId="{A027FAE2-FE37-4AAA-8C18-8AA458D23332}"/>
           </ac:picMkLst>
         </pc:picChg>
-        <pc:picChg chg="add mod">
-          <ac:chgData name="Dell Laptop" userId="3cd9aef6f2a502c0" providerId="LiveId" clId="{462274F9-43AA-4115-A69A-09D122FE09CB}" dt="2022-04-10T18:18:48.537" v="1540" actId="931"/>
+        <pc:picChg chg="add del mod">
+          <ac:chgData name="Dell Laptop" userId="3cd9aef6f2a502c0" providerId="LiveId" clId="{462274F9-43AA-4115-A69A-09D122FE09CB}" dt="2022-04-14T13:12:15.133" v="1726" actId="21"/>
           <ac:picMkLst>
             <pc:docMk/>
             <pc:sldMk cId="4000819507" sldId="320"/>
             <ac:picMk id="7" creationId="{B2DB2C48-7E68-489F-B38D-E3FA7609698E}"/>
           </ac:picMkLst>
         </pc:picChg>
+      </pc:sldChg>
+      <pc:sldChg chg="add">
+        <pc:chgData name="Dell Laptop" userId="3cd9aef6f2a502c0" providerId="LiveId" clId="{462274F9-43AA-4115-A69A-09D122FE09CB}" dt="2022-04-14T13:09:09.166" v="1688" actId="2890"/>
+        <pc:sldMkLst>
+          <pc:docMk/>
+          <pc:sldMk cId="3666176212" sldId="321"/>
+        </pc:sldMkLst>
       </pc:sldChg>
     </pc:docChg>
   </pc:docChgLst>
@@ -14647,7 +14716,7 @@
           <a:p>
             <a:fld id="{EA0C0817-A112-4847-8014-A94B7D2A4EA3}" type="datetime1">
               <a:rPr lang="en-US" smtClean="0"/>
-              <a:t>4/12/2022</a:t>
+              <a:t>4/14/2022</a:t>
             </a:fld>
             <a:endParaRPr lang="en-US" dirty="0"/>
           </a:p>
@@ -14849,7 +14918,7 @@
           <a:p>
             <a:fld id="{7332B432-ACDA-4023-A761-2BAB76577B62}" type="datetime1">
               <a:rPr lang="en-US" smtClean="0"/>
-              <a:t>4/12/2022</a:t>
+              <a:t>4/14/2022</a:t>
             </a:fld>
             <a:endParaRPr lang="en-US" dirty="0"/>
           </a:p>
@@ -15448,7 +15517,7 @@
           <a:p>
             <a:fld id="{D9C646AA-F36E-4540-911D-FFFC0A0EF24A}" type="datetime1">
               <a:rPr lang="en-US" smtClean="0"/>
-              <a:t>4/12/2022</a:t>
+              <a:t>4/14/2022</a:t>
             </a:fld>
             <a:endParaRPr lang="en-US" dirty="0"/>
           </a:p>
@@ -15768,7 +15837,7 @@
           <a:p>
             <a:fld id="{69186D26-FA5F-4637-B602-B7C2DC34CFD4}" type="datetime1">
               <a:rPr lang="en-US" smtClean="0"/>
-              <a:t>4/12/2022</a:t>
+              <a:t>4/14/2022</a:t>
             </a:fld>
             <a:endParaRPr lang="en-US" dirty="0"/>
           </a:p>
@@ -16205,7 +16274,7 @@
           <a:p>
             <a:fld id="{8A7F15D8-96D1-4781-BC50-CA8A088B2FE4}" type="datetime1">
               <a:rPr lang="en-US" smtClean="0"/>
-              <a:t>4/12/2022</a:t>
+              <a:t>4/14/2022</a:t>
             </a:fld>
             <a:endParaRPr lang="en-US" dirty="0"/>
           </a:p>
@@ -16323,7 +16392,7 @@
           <a:p>
             <a:fld id="{F9A96C99-B8F8-4528-BD05-0E16E943DC09}" type="datetime1">
               <a:rPr lang="en-US" smtClean="0"/>
-              <a:t>4/12/2022</a:t>
+              <a:t>4/14/2022</a:t>
             </a:fld>
             <a:endParaRPr lang="en-US" dirty="0"/>
           </a:p>
@@ -16418,7 +16487,7 @@
           <a:p>
             <a:fld id="{03636942-C211-4B28-8DBD-C953E00AF71B}" type="datetime1">
               <a:rPr lang="en-US" smtClean="0"/>
-              <a:t>4/12/2022</a:t>
+              <a:t>4/14/2022</a:t>
             </a:fld>
             <a:endParaRPr lang="en-US" dirty="0"/>
           </a:p>
@@ -16835,7 +16904,7 @@
           <a:p>
             <a:fld id="{7E8D12A6-918A-48BD-8CB9-CA713993B0EA}" type="datetime1">
               <a:rPr lang="en-US" smtClean="0"/>
-              <a:t>4/12/2022</a:t>
+              <a:t>4/14/2022</a:t>
             </a:fld>
             <a:endParaRPr lang="en-US" dirty="0"/>
           </a:p>
@@ -17097,7 +17166,7 @@
             <a:fld id="{E778CE86-875F-4587-BCF6-FA054AFC0D53}" type="datetime1">
               <a:rPr lang="en-US" smtClean="0"/>
               <a:pPr/>
-              <a:t>4/12/2022</a:t>
+              <a:t>4/14/2022</a:t>
             </a:fld>
             <a:endParaRPr lang="en-US" dirty="0"/>
           </a:p>
@@ -17613,7 +17682,7 @@
           <a:p>
             <a:fld id="{F6FA2B21-3FCD-4721-B95C-427943F61125}" type="datetime1">
               <a:rPr lang="en-US" smtClean="0"/>
-              <a:t>4/12/2022</a:t>
+              <a:t>4/14/2022</a:t>
             </a:fld>
             <a:endParaRPr lang="en-US" dirty="0"/>
           </a:p>
@@ -18432,6 +18501,113 @@
           <a:p>
             <a:r>
               <a:rPr lang="en-US" dirty="0"/>
+              <a:t>UPDATE EMPLOYEE</a:t>
+            </a:r>
+            <a:endParaRPr lang="en-IN" dirty="0"/>
+          </a:p>
+        </p:txBody>
+      </p:sp>
+      <p:pic>
+        <p:nvPicPr>
+          <p:cNvPr id="5" name="Content Placeholder 4">
+            <a:extLst>
+              <a:ext uri="{FF2B5EF4-FFF2-40B4-BE49-F238E27FC236}">
+                <a16:creationId xmlns:a16="http://schemas.microsoft.com/office/drawing/2014/main" id="{5D4DFC87-5BCB-4C38-B74B-890D2B963BD2}"/>
+              </a:ext>
+            </a:extLst>
+          </p:cNvPr>
+          <p:cNvPicPr>
+            <a:picLocks noGrp="1" noChangeAspect="1"/>
+          </p:cNvPicPr>
+          <p:nvPr>
+            <p:ph idx="1"/>
+          </p:nvPr>
+        </p:nvPicPr>
+        <p:blipFill>
+          <a:blip r:embed="rId2"/>
+          <a:stretch>
+            <a:fillRect/>
+          </a:stretch>
+        </p:blipFill>
+        <p:spPr>
+          <a:xfrm>
+            <a:off x="395288" y="1144439"/>
+            <a:ext cx="11398250" cy="5307310"/>
+          </a:xfrm>
+        </p:spPr>
+      </p:pic>
+    </p:spTree>
+    <p:extLst>
+      <p:ext uri="{BB962C8B-B14F-4D97-AF65-F5344CB8AC3E}">
+        <p14:creationId xmlns:p14="http://schemas.microsoft.com/office/powerpoint/2010/main" val="3053893926"/>
+      </p:ext>
+    </p:extLst>
+  </p:cSld>
+  <p:clrMapOvr>
+    <a:masterClrMapping/>
+  </p:clrMapOvr>
+  <mc:AlternateContent xmlns:mc="http://schemas.openxmlformats.org/markup-compatibility/2006" xmlns:p14="http://schemas.microsoft.com/office/powerpoint/2010/main">
+    <mc:Choice Requires="p14">
+      <p:transition spd="slow" p14:dur="1600">
+        <p14:prism isContent="1" isInverted="1"/>
+      </p:transition>
+    </mc:Choice>
+    <mc:Fallback xmlns="">
+      <p:transition spd="slow">
+        <p:fade/>
+      </p:transition>
+    </mc:Fallback>
+  </mc:AlternateContent>
+</p:sld>
+</file>
+
+<file path=ppt/slides/slide11.xml><?xml version="1.0" encoding="utf-8"?>
+<p:sld xmlns:a="http://schemas.openxmlformats.org/drawingml/2006/main" xmlns:r="http://schemas.openxmlformats.org/officeDocument/2006/relationships" xmlns:p="http://schemas.openxmlformats.org/presentationml/2006/main">
+  <p:cSld>
+    <p:spTree>
+      <p:nvGrpSpPr>
+        <p:cNvPr id="1" name=""/>
+        <p:cNvGrpSpPr/>
+        <p:nvPr/>
+      </p:nvGrpSpPr>
+      <p:grpSpPr>
+        <a:xfrm>
+          <a:off x="0" y="0"/>
+          <a:ext cx="0" cy="0"/>
+          <a:chOff x="0" y="0"/>
+          <a:chExt cx="0" cy="0"/>
+        </a:xfrm>
+      </p:grpSpPr>
+      <p:sp>
+        <p:nvSpPr>
+          <p:cNvPr id="2" name="Title 1">
+            <a:extLst>
+              <a:ext uri="{FF2B5EF4-FFF2-40B4-BE49-F238E27FC236}">
+                <a16:creationId xmlns:a16="http://schemas.microsoft.com/office/drawing/2014/main" id="{525C3755-E5A6-43B2-8095-979A6536654E}"/>
+              </a:ext>
+            </a:extLst>
+          </p:cNvPr>
+          <p:cNvSpPr>
+            <a:spLocks noGrp="1"/>
+          </p:cNvSpPr>
+          <p:nvPr>
+            <p:ph type="title"/>
+          </p:nvPr>
+        </p:nvSpPr>
+        <p:spPr>
+          <a:xfrm>
+            <a:off x="623455" y="384465"/>
+            <a:ext cx="10501745" cy="520792"/>
+          </a:xfrm>
+        </p:spPr>
+        <p:txBody>
+          <a:bodyPr>
+            <a:normAutofit fontScale="90000"/>
+          </a:bodyPr>
+          <a:lstStyle/>
+          <a:p>
+            <a:r>
+              <a:rPr lang="en-US" dirty="0"/>
               <a:t>ADD EMPLOYEE</a:t>
             </a:r>
             <a:endParaRPr lang="en-IN" dirty="0"/>
@@ -18492,7 +18668,7 @@
 </p:sld>
 </file>
 
-<file path=ppt/slides/slide11.xml><?xml version="1.0" encoding="utf-8"?>
+<file path=ppt/slides/slide12.xml><?xml version="1.0" encoding="utf-8"?>
 <p:sld xmlns:a="http://schemas.openxmlformats.org/drawingml/2006/main" xmlns:r="http://schemas.openxmlformats.org/officeDocument/2006/relationships" xmlns:p="http://schemas.openxmlformats.org/presentationml/2006/main">
   <p:cSld>
     <p:spTree>
@@ -18570,121 +18746,44 @@
         <p:spPr>
           <a:xfrm>
             <a:off x="585029" y="1122363"/>
-            <a:ext cx="11018767" cy="5351462"/>
+            <a:ext cx="5510971" cy="5351462"/>
           </a:xfrm>
+        </p:spPr>
+      </p:pic>
+      <p:pic>
+        <p:nvPicPr>
+          <p:cNvPr id="4" name="Content Placeholder 6">
+            <a:extLst>
+              <a:ext uri="{FF2B5EF4-FFF2-40B4-BE49-F238E27FC236}">
+                <a16:creationId xmlns:a16="http://schemas.microsoft.com/office/drawing/2014/main" id="{0488138F-EC00-4750-8799-C9AF86589822}"/>
+              </a:ext>
+            </a:extLst>
+          </p:cNvPr>
+          <p:cNvPicPr>
+            <a:picLocks noChangeAspect="1"/>
+          </p:cNvPicPr>
+          <p:nvPr/>
+        </p:nvPicPr>
+        <p:blipFill>
+          <a:blip r:embed="rId3"/>
+          <a:stretch>
+            <a:fillRect/>
+          </a:stretch>
+        </p:blipFill>
+        <p:spPr>
+          <a:xfrm>
+            <a:off x="6096000" y="1122363"/>
+            <a:ext cx="5571366" cy="5351462"/>
+          </a:xfrm>
+          <a:prstGeom prst="rect">
+            <a:avLst/>
+          </a:prstGeom>
         </p:spPr>
       </p:pic>
     </p:spTree>
     <p:extLst>
       <p:ext uri="{BB962C8B-B14F-4D97-AF65-F5344CB8AC3E}">
         <p14:creationId xmlns:p14="http://schemas.microsoft.com/office/powerpoint/2010/main" val="300358996"/>
-      </p:ext>
-    </p:extLst>
-  </p:cSld>
-  <p:clrMapOvr>
-    <a:masterClrMapping/>
-  </p:clrMapOvr>
-  <mc:AlternateContent xmlns:mc="http://schemas.openxmlformats.org/markup-compatibility/2006" xmlns:p14="http://schemas.microsoft.com/office/powerpoint/2010/main">
-    <mc:Choice Requires="p14">
-      <p:transition spd="slow" p14:dur="1600">
-        <p14:prism isContent="1" isInverted="1"/>
-      </p:transition>
-    </mc:Choice>
-    <mc:Fallback xmlns="">
-      <p:transition spd="slow">
-        <p:fade/>
-      </p:transition>
-    </mc:Fallback>
-  </mc:AlternateContent>
-</p:sld>
-</file>
-
-<file path=ppt/slides/slide12.xml><?xml version="1.0" encoding="utf-8"?>
-<p:sld xmlns:a="http://schemas.openxmlformats.org/drawingml/2006/main" xmlns:r="http://schemas.openxmlformats.org/officeDocument/2006/relationships" xmlns:p="http://schemas.openxmlformats.org/presentationml/2006/main">
-  <p:cSld>
-    <p:spTree>
-      <p:nvGrpSpPr>
-        <p:cNvPr id="1" name=""/>
-        <p:cNvGrpSpPr/>
-        <p:nvPr/>
-      </p:nvGrpSpPr>
-      <p:grpSpPr>
-        <a:xfrm>
-          <a:off x="0" y="0"/>
-          <a:ext cx="0" cy="0"/>
-          <a:chOff x="0" y="0"/>
-          <a:chExt cx="0" cy="0"/>
-        </a:xfrm>
-      </p:grpSpPr>
-      <p:sp>
-        <p:nvSpPr>
-          <p:cNvPr id="2" name="Title 1">
-            <a:extLst>
-              <a:ext uri="{FF2B5EF4-FFF2-40B4-BE49-F238E27FC236}">
-                <a16:creationId xmlns:a16="http://schemas.microsoft.com/office/drawing/2014/main" id="{525C3755-E5A6-43B2-8095-979A6536654E}"/>
-              </a:ext>
-            </a:extLst>
-          </p:cNvPr>
-          <p:cNvSpPr>
-            <a:spLocks noGrp="1"/>
-          </p:cNvSpPr>
-          <p:nvPr>
-            <p:ph type="title"/>
-          </p:nvPr>
-        </p:nvSpPr>
-        <p:spPr>
-          <a:xfrm>
-            <a:off x="623455" y="384465"/>
-            <a:ext cx="10501745" cy="520792"/>
-          </a:xfrm>
-        </p:spPr>
-        <p:txBody>
-          <a:bodyPr>
-            <a:noAutofit/>
-          </a:bodyPr>
-          <a:lstStyle/>
-          <a:p>
-            <a:r>
-              <a:rPr lang="en-US" sz="3400" dirty="0"/>
-              <a:t>ACHIEVEMENT</a:t>
-            </a:r>
-            <a:endParaRPr lang="en-IN" sz="3400" dirty="0"/>
-          </a:p>
-        </p:txBody>
-      </p:sp>
-      <p:pic>
-        <p:nvPicPr>
-          <p:cNvPr id="7" name="Content Placeholder 6">
-            <a:extLst>
-              <a:ext uri="{FF2B5EF4-FFF2-40B4-BE49-F238E27FC236}">
-                <a16:creationId xmlns:a16="http://schemas.microsoft.com/office/drawing/2014/main" id="{7A4FEB4C-451B-41ED-B156-348F6010E89B}"/>
-              </a:ext>
-            </a:extLst>
-          </p:cNvPr>
-          <p:cNvPicPr>
-            <a:picLocks noGrp="1" noChangeAspect="1"/>
-          </p:cNvPicPr>
-          <p:nvPr>
-            <p:ph idx="1"/>
-          </p:nvPr>
-        </p:nvPicPr>
-        <p:blipFill>
-          <a:blip r:embed="rId2"/>
-          <a:stretch>
-            <a:fillRect/>
-          </a:stretch>
-        </p:blipFill>
-        <p:spPr>
-          <a:xfrm>
-            <a:off x="542096" y="1184275"/>
-            <a:ext cx="11125270" cy="5289550"/>
-          </a:xfrm>
-        </p:spPr>
-      </p:pic>
-    </p:spTree>
-    <p:extLst>
-      <p:ext uri="{BB962C8B-B14F-4D97-AF65-F5344CB8AC3E}">
-        <p14:creationId xmlns:p14="http://schemas.microsoft.com/office/powerpoint/2010/main" val="1173754318"/>
       </p:ext>
     </p:extLst>
   </p:cSld>
@@ -18784,8 +18883,38 @@
         <p:spPr>
           <a:xfrm>
             <a:off x="423989" y="1122363"/>
-            <a:ext cx="11340847" cy="5351462"/>
+            <a:ext cx="5672011" cy="5351462"/>
           </a:xfrm>
+        </p:spPr>
+      </p:pic>
+      <p:pic>
+        <p:nvPicPr>
+          <p:cNvPr id="4" name="Content Placeholder 6">
+            <a:extLst>
+              <a:ext uri="{FF2B5EF4-FFF2-40B4-BE49-F238E27FC236}">
+                <a16:creationId xmlns:a16="http://schemas.microsoft.com/office/drawing/2014/main" id="{27319E67-B49A-451E-9B8F-499675CF4E8B}"/>
+              </a:ext>
+            </a:extLst>
+          </p:cNvPr>
+          <p:cNvPicPr>
+            <a:picLocks noChangeAspect="1"/>
+          </p:cNvPicPr>
+          <p:nvPr/>
+        </p:nvPicPr>
+        <p:blipFill>
+          <a:blip r:embed="rId3"/>
+          <a:stretch>
+            <a:fillRect/>
+          </a:stretch>
+        </p:blipFill>
+        <p:spPr>
+          <a:xfrm>
+            <a:off x="6085870" y="1122364"/>
+            <a:ext cx="5672011" cy="5351462"/>
+          </a:xfrm>
+          <a:prstGeom prst="rect">
+            <a:avLst/>
+          </a:prstGeom>
         </p:spPr>
       </p:pic>
     </p:spTree>
@@ -18814,113 +18943,6 @@
 </file>
 
 <file path=ppt/slides/slide14.xml><?xml version="1.0" encoding="utf-8"?>
-<p:sld xmlns:a="http://schemas.openxmlformats.org/drawingml/2006/main" xmlns:r="http://schemas.openxmlformats.org/officeDocument/2006/relationships" xmlns:p="http://schemas.openxmlformats.org/presentationml/2006/main">
-  <p:cSld>
-    <p:spTree>
-      <p:nvGrpSpPr>
-        <p:cNvPr id="1" name=""/>
-        <p:cNvGrpSpPr/>
-        <p:nvPr/>
-      </p:nvGrpSpPr>
-      <p:grpSpPr>
-        <a:xfrm>
-          <a:off x="0" y="0"/>
-          <a:ext cx="0" cy="0"/>
-          <a:chOff x="0" y="0"/>
-          <a:chExt cx="0" cy="0"/>
-        </a:xfrm>
-      </p:grpSpPr>
-      <p:sp>
-        <p:nvSpPr>
-          <p:cNvPr id="2" name="Title 1">
-            <a:extLst>
-              <a:ext uri="{FF2B5EF4-FFF2-40B4-BE49-F238E27FC236}">
-                <a16:creationId xmlns:a16="http://schemas.microsoft.com/office/drawing/2014/main" id="{525C3755-E5A6-43B2-8095-979A6536654E}"/>
-              </a:ext>
-            </a:extLst>
-          </p:cNvPr>
-          <p:cNvSpPr>
-            <a:spLocks noGrp="1"/>
-          </p:cNvSpPr>
-          <p:nvPr>
-            <p:ph type="title"/>
-          </p:nvPr>
-        </p:nvSpPr>
-        <p:spPr>
-          <a:xfrm>
-            <a:off x="623455" y="384465"/>
-            <a:ext cx="10501745" cy="520792"/>
-          </a:xfrm>
-        </p:spPr>
-        <p:txBody>
-          <a:bodyPr>
-            <a:normAutofit fontScale="90000"/>
-          </a:bodyPr>
-          <a:lstStyle/>
-          <a:p>
-            <a:r>
-              <a:rPr lang="en-US" dirty="0"/>
-              <a:t>ABOUT US</a:t>
-            </a:r>
-            <a:endParaRPr lang="en-IN" dirty="0"/>
-          </a:p>
-        </p:txBody>
-      </p:sp>
-      <p:pic>
-        <p:nvPicPr>
-          <p:cNvPr id="7" name="Content Placeholder 6">
-            <a:extLst>
-              <a:ext uri="{FF2B5EF4-FFF2-40B4-BE49-F238E27FC236}">
-                <a16:creationId xmlns:a16="http://schemas.microsoft.com/office/drawing/2014/main" id="{B2DB2C48-7E68-489F-B38D-E3FA7609698E}"/>
-              </a:ext>
-            </a:extLst>
-          </p:cNvPr>
-          <p:cNvPicPr>
-            <a:picLocks noGrp="1" noChangeAspect="1"/>
-          </p:cNvPicPr>
-          <p:nvPr>
-            <p:ph idx="1"/>
-          </p:nvPr>
-        </p:nvPicPr>
-        <p:blipFill>
-          <a:blip r:embed="rId2"/>
-          <a:stretch>
-            <a:fillRect/>
-          </a:stretch>
-        </p:blipFill>
-        <p:spPr>
-          <a:xfrm>
-            <a:off x="442056" y="1163638"/>
-            <a:ext cx="11315825" cy="5310187"/>
-          </a:xfrm>
-        </p:spPr>
-      </p:pic>
-    </p:spTree>
-    <p:extLst>
-      <p:ext uri="{BB962C8B-B14F-4D97-AF65-F5344CB8AC3E}">
-        <p14:creationId xmlns:p14="http://schemas.microsoft.com/office/powerpoint/2010/main" val="4000819507"/>
-      </p:ext>
-    </p:extLst>
-  </p:cSld>
-  <p:clrMapOvr>
-    <a:masterClrMapping/>
-  </p:clrMapOvr>
-  <mc:AlternateContent xmlns:mc="http://schemas.openxmlformats.org/markup-compatibility/2006" xmlns:p14="http://schemas.microsoft.com/office/powerpoint/2010/main">
-    <mc:Choice Requires="p14">
-      <p:transition spd="slow" p14:dur="1600">
-        <p14:prism isContent="1" isInverted="1"/>
-      </p:transition>
-    </mc:Choice>
-    <mc:Fallback xmlns="">
-      <p:transition spd="slow">
-        <p:fade/>
-      </p:transition>
-    </mc:Fallback>
-  </mc:AlternateContent>
-</p:sld>
-</file>
-
-<file path=ppt/slides/slide15.xml><?xml version="1.0" encoding="utf-8"?>
 <p:sld xmlns:a="http://schemas.openxmlformats.org/drawingml/2006/main" xmlns:r="http://schemas.openxmlformats.org/officeDocument/2006/relationships" xmlns:p="http://schemas.openxmlformats.org/presentationml/2006/main">
   <p:cSld>
     <p:spTree>
@@ -19027,7 +19049,7 @@
 </p:sld>
 </file>
 
-<file path=ppt/slides/slide16.xml><?xml version="1.0" encoding="utf-8"?>
+<file path=ppt/slides/slide15.xml><?xml version="1.0" encoding="utf-8"?>
 <p:sld xmlns:a="http://schemas.openxmlformats.org/drawingml/2006/main" xmlns:r="http://schemas.openxmlformats.org/officeDocument/2006/relationships" xmlns:p="http://schemas.openxmlformats.org/presentationml/2006/main">
   <p:cSld>
     <p:bg>
@@ -19144,7 +19166,7 @@
 </p:sld>
 </file>
 
-<file path=ppt/slides/slide17.xml><?xml version="1.0" encoding="utf-8"?>
+<file path=ppt/slides/slide16.xml><?xml version="1.0" encoding="utf-8"?>
 <p:sld xmlns:a="http://schemas.openxmlformats.org/drawingml/2006/main" xmlns:r="http://schemas.openxmlformats.org/officeDocument/2006/relationships" xmlns:p="http://schemas.openxmlformats.org/presentationml/2006/main">
   <p:cSld>
     <p:spTree>
@@ -19272,7 +19294,7 @@
 </p:sld>
 </file>
 
-<file path=ppt/slides/slide18.xml><?xml version="1.0" encoding="utf-8"?>
+<file path=ppt/slides/slide17.xml><?xml version="1.0" encoding="utf-8"?>
 <p:sld xmlns:a="http://schemas.openxmlformats.org/drawingml/2006/main" xmlns:r="http://schemas.openxmlformats.org/officeDocument/2006/relationships" xmlns:p="http://schemas.openxmlformats.org/presentationml/2006/main">
   <p:cSld>
     <p:bg>
@@ -21424,11 +21446,17 @@
           <a:lstStyle/>
           <a:p>
             <a:r>
+              <a:rPr lang="en-IN" b="1" dirty="0">
+                <a:latin typeface="Goudy Old Style" panose="02020502050305020303" pitchFamily="18" charset="0"/>
+              </a:rPr>
+              <a:t>Crud Operation</a:t>
+            </a:r>
+            <a:r>
               <a:rPr lang="en-IN" b="1" i="0" dirty="0">
                 <a:effectLst/>
                 <a:latin typeface="Goudy Old Style" panose="02020502050305020303" pitchFamily="18" charset="0"/>
               </a:rPr>
-              <a:t>Modules Used :</a:t>
+              <a:t>:</a:t>
             </a:r>
             <a:endParaRPr lang="en-IN" dirty="0">
               <a:latin typeface="Goudy Old Style" panose="02020502050305020303" pitchFamily="18" charset="0"/>
@@ -21539,7 +21567,7 @@
           <a:p>
             <a:r>
               <a:rPr lang="en-US" dirty="0"/>
-              <a:t>EMPLOYEE LIST</a:t>
+              <a:t>Home Page</a:t>
             </a:r>
             <a:endParaRPr lang="en-IN" dirty="0"/>
           </a:p>
@@ -21547,10 +21575,10 @@
       </p:sp>
       <p:pic>
         <p:nvPicPr>
-          <p:cNvPr id="5" name="Content Placeholder 4">
+          <p:cNvPr id="7" name="Content Placeholder 6">
             <a:extLst>
               <a:ext uri="{FF2B5EF4-FFF2-40B4-BE49-F238E27FC236}">
-                <a16:creationId xmlns:a16="http://schemas.microsoft.com/office/drawing/2014/main" id="{6DC51155-DF12-4434-852D-C10DE4F8ECE4}"/>
+                <a16:creationId xmlns:a16="http://schemas.microsoft.com/office/drawing/2014/main" id="{CBC05DD5-1CCD-46B2-9C0E-4E5424273201}"/>
               </a:ext>
             </a:extLst>
           </p:cNvPr>
@@ -21569,8 +21597,8 @@
         </p:blipFill>
         <p:spPr>
           <a:xfrm>
-            <a:off x="423989" y="1122363"/>
-            <a:ext cx="11340847" cy="5351462"/>
+            <a:off x="1028700" y="1163782"/>
+            <a:ext cx="10096500" cy="5030542"/>
           </a:xfrm>
         </p:spPr>
       </p:pic>
@@ -21646,7 +21674,7 @@
           <a:p>
             <a:r>
               <a:rPr lang="en-US" dirty="0"/>
-              <a:t>UPDATE EMPLOYEE</a:t>
+              <a:t>EMPLOYEE LIST</a:t>
             </a:r>
             <a:endParaRPr lang="en-IN" dirty="0"/>
           </a:p>
@@ -21657,7 +21685,7 @@
           <p:cNvPr id="5" name="Content Placeholder 4">
             <a:extLst>
               <a:ext uri="{FF2B5EF4-FFF2-40B4-BE49-F238E27FC236}">
-                <a16:creationId xmlns:a16="http://schemas.microsoft.com/office/drawing/2014/main" id="{5D4DFC87-5BCB-4C38-B74B-890D2B963BD2}"/>
+                <a16:creationId xmlns:a16="http://schemas.microsoft.com/office/drawing/2014/main" id="{6DC51155-DF12-4434-852D-C10DE4F8ECE4}"/>
               </a:ext>
             </a:extLst>
           </p:cNvPr>
@@ -21676,28 +21704,28 @@
         </p:blipFill>
         <p:spPr>
           <a:xfrm>
-            <a:off x="395288" y="1144439"/>
-            <a:ext cx="11398250" cy="5307310"/>
+            <a:off x="423989" y="1122363"/>
+            <a:ext cx="11340847" cy="5351462"/>
           </a:xfrm>
         </p:spPr>
       </p:pic>
     </p:spTree>
     <p:extLst>
       <p:ext uri="{BB962C8B-B14F-4D97-AF65-F5344CB8AC3E}">
-        <p14:creationId xmlns:p14="http://schemas.microsoft.com/office/powerpoint/2010/main" val="3053893926"/>
+        <p14:creationId xmlns:p14="http://schemas.microsoft.com/office/powerpoint/2010/main" val="3666176212"/>
       </p:ext>
     </p:extLst>
   </p:cSld>
   <p:clrMapOvr>
     <a:masterClrMapping/>
   </p:clrMapOvr>
-  <mc:AlternateContent xmlns:mc="http://schemas.openxmlformats.org/markup-compatibility/2006" xmlns:p14="http://schemas.microsoft.com/office/powerpoint/2010/main">
-    <mc:Choice Requires="p14">
+  <mc:AlternateContent xmlns:mc="http://schemas.openxmlformats.org/markup-compatibility/2006">
+    <mc:Choice xmlns:p14="http://schemas.microsoft.com/office/powerpoint/2010/main" Requires="p14">
       <p:transition spd="slow" p14:dur="1600">
         <p14:prism isContent="1" isInverted="1"/>
       </p:transition>
     </mc:Choice>
-    <mc:Fallback xmlns="">
+    <mc:Fallback>
       <p:transition spd="slow">
         <p:fade/>
       </p:transition>
@@ -21983,21 +22011,21 @@
 </file>
 
 <file path=customXml/item1.xml><?xml version="1.0" encoding="utf-8"?>
+<?mso-contentType ?>
+<FormTemplates xmlns="http://schemas.microsoft.com/sharepoint/v3/contenttype/forms">
+  <Display>DocumentLibraryForm</Display>
+  <Edit>DocumentLibraryForm</Edit>
+  <New>DocumentLibraryForm</New>
+</FormTemplates>
+</file>
+
+<file path=customXml/item2.xml><?xml version="1.0" encoding="utf-8"?>
 <p:properties xmlns:p="http://schemas.microsoft.com/office/2006/metadata/properties" xmlns:xsi="http://www.w3.org/2001/XMLSchema-instance" xmlns:pc="http://schemas.microsoft.com/office/infopath/2007/PartnerControls">
   <documentManagement>
     <Status xmlns="71af3243-3dd4-4a8d-8c0d-dd76da1f02a5">Not started</Status>
     <MediaServiceKeyPoints xmlns="71af3243-3dd4-4a8d-8c0d-dd76da1f02a5" xsi:nil="true"/>
   </documentManagement>
 </p:properties>
-</file>
-
-<file path=customXml/item2.xml><?xml version="1.0" encoding="utf-8"?>
-<?mso-contentType ?>
-<FormTemplates xmlns="http://schemas.microsoft.com/sharepoint/v3/contenttype/forms">
-  <Display>DocumentLibraryForm</Display>
-  <Edit>DocumentLibraryForm</Edit>
-  <New>DocumentLibraryForm</New>
-</FormTemplates>
 </file>
 
 <file path=customXml/item3.xml><?xml version="1.0" encoding="utf-8"?>
@@ -22222,19 +22250,19 @@
 </file>
 
 <file path=customXml/itemProps1.xml><?xml version="1.0" encoding="utf-8"?>
+<ds:datastoreItem xmlns:ds="http://schemas.openxmlformats.org/officeDocument/2006/customXml" ds:itemID="{CDB58277-F8DF-46FF-84EC-EF41B835E69F}">
+  <ds:schemaRefs>
+    <ds:schemaRef ds:uri="http://schemas.microsoft.com/sharepoint/v3/contenttype/forms"/>
+  </ds:schemaRefs>
+</ds:datastoreItem>
+</file>
+
+<file path=customXml/itemProps2.xml><?xml version="1.0" encoding="utf-8"?>
 <ds:datastoreItem xmlns:ds="http://schemas.openxmlformats.org/officeDocument/2006/customXml" ds:itemID="{137651BA-F45C-4845-9AB3-E0A65B39F5E1}">
   <ds:schemaRefs>
     <ds:schemaRef ds:uri="http://schemas.microsoft.com/office/2006/metadata/properties"/>
     <ds:schemaRef ds:uri="http://schemas.microsoft.com/office/infopath/2007/PartnerControls"/>
     <ds:schemaRef ds:uri="71af3243-3dd4-4a8d-8c0d-dd76da1f02a5"/>
-  </ds:schemaRefs>
-</ds:datastoreItem>
-</file>
-
-<file path=customXml/itemProps2.xml><?xml version="1.0" encoding="utf-8"?>
-<ds:datastoreItem xmlns:ds="http://schemas.openxmlformats.org/officeDocument/2006/customXml" ds:itemID="{CDB58277-F8DF-46FF-84EC-EF41B835E69F}">
-  <ds:schemaRefs>
-    <ds:schemaRef ds:uri="http://schemas.microsoft.com/sharepoint/v3/contenttype/forms"/>
   </ds:schemaRefs>
 </ds:datastoreItem>
 </file>
